--- a/powerpoint/Web Site evaluation.pptx
+++ b/powerpoint/Web Site evaluation.pptx
@@ -313,7 +313,7 @@
           <a:p>
             <a:fld id="{131B69AF-77B7-405E-BCD3-B7A7A5244CF2}" type="datetimeFigureOut">
               <a:rPr lang="en-US" smtClean="0"/>
-              <a:t>9/19/2016</a:t>
+              <a:t>1/28/2019</a:t>
             </a:fld>
             <a:endParaRPr lang="en-US"/>
           </a:p>
@@ -483,7 +483,7 @@
           <a:p>
             <a:fld id="{131B69AF-77B7-405E-BCD3-B7A7A5244CF2}" type="datetimeFigureOut">
               <a:rPr lang="en-US" smtClean="0"/>
-              <a:t>9/19/2016</a:t>
+              <a:t>1/28/2019</a:t>
             </a:fld>
             <a:endParaRPr lang="en-US"/>
           </a:p>
@@ -663,7 +663,7 @@
           <a:p>
             <a:fld id="{131B69AF-77B7-405E-BCD3-B7A7A5244CF2}" type="datetimeFigureOut">
               <a:rPr lang="en-US" smtClean="0"/>
-              <a:t>9/19/2016</a:t>
+              <a:t>1/28/2019</a:t>
             </a:fld>
             <a:endParaRPr lang="en-US"/>
           </a:p>
@@ -833,7 +833,7 @@
           <a:p>
             <a:fld id="{131B69AF-77B7-405E-BCD3-B7A7A5244CF2}" type="datetimeFigureOut">
               <a:rPr lang="en-US" smtClean="0"/>
-              <a:t>9/19/2016</a:t>
+              <a:t>1/28/2019</a:t>
             </a:fld>
             <a:endParaRPr lang="en-US"/>
           </a:p>
@@ -1079,7 +1079,7 @@
           <a:p>
             <a:fld id="{131B69AF-77B7-405E-BCD3-B7A7A5244CF2}" type="datetimeFigureOut">
               <a:rPr lang="en-US" smtClean="0"/>
-              <a:t>9/19/2016</a:t>
+              <a:t>1/28/2019</a:t>
             </a:fld>
             <a:endParaRPr lang="en-US"/>
           </a:p>
@@ -1367,7 +1367,7 @@
           <a:p>
             <a:fld id="{131B69AF-77B7-405E-BCD3-B7A7A5244CF2}" type="datetimeFigureOut">
               <a:rPr lang="en-US" smtClean="0"/>
-              <a:t>9/19/2016</a:t>
+              <a:t>1/28/2019</a:t>
             </a:fld>
             <a:endParaRPr lang="en-US"/>
           </a:p>
@@ -1789,7 +1789,7 @@
           <a:p>
             <a:fld id="{131B69AF-77B7-405E-BCD3-B7A7A5244CF2}" type="datetimeFigureOut">
               <a:rPr lang="en-US" smtClean="0"/>
-              <a:t>9/19/2016</a:t>
+              <a:t>1/28/2019</a:t>
             </a:fld>
             <a:endParaRPr lang="en-US"/>
           </a:p>
@@ -1907,7 +1907,7 @@
           <a:p>
             <a:fld id="{131B69AF-77B7-405E-BCD3-B7A7A5244CF2}" type="datetimeFigureOut">
               <a:rPr lang="en-US" smtClean="0"/>
-              <a:t>9/19/2016</a:t>
+              <a:t>1/28/2019</a:t>
             </a:fld>
             <a:endParaRPr lang="en-US"/>
           </a:p>
@@ -2002,7 +2002,7 @@
           <a:p>
             <a:fld id="{131B69AF-77B7-405E-BCD3-B7A7A5244CF2}" type="datetimeFigureOut">
               <a:rPr lang="en-US" smtClean="0"/>
-              <a:t>9/19/2016</a:t>
+              <a:t>1/28/2019</a:t>
             </a:fld>
             <a:endParaRPr lang="en-US"/>
           </a:p>
@@ -2279,7 +2279,7 @@
           <a:p>
             <a:fld id="{131B69AF-77B7-405E-BCD3-B7A7A5244CF2}" type="datetimeFigureOut">
               <a:rPr lang="en-US" smtClean="0"/>
-              <a:t>9/19/2016</a:t>
+              <a:t>1/28/2019</a:t>
             </a:fld>
             <a:endParaRPr lang="en-US"/>
           </a:p>
@@ -2532,7 +2532,7 @@
           <a:p>
             <a:fld id="{131B69AF-77B7-405E-BCD3-B7A7A5244CF2}" type="datetimeFigureOut">
               <a:rPr lang="en-US" smtClean="0"/>
-              <a:t>9/19/2016</a:t>
+              <a:t>1/28/2019</a:t>
             </a:fld>
             <a:endParaRPr lang="en-US"/>
           </a:p>
@@ -2745,7 +2745,7 @@
           <a:p>
             <a:fld id="{131B69AF-77B7-405E-BCD3-B7A7A5244CF2}" type="datetimeFigureOut">
               <a:rPr lang="en-US" smtClean="0"/>
-              <a:t>9/19/2016</a:t>
+              <a:t>1/28/2019</a:t>
             </a:fld>
             <a:endParaRPr lang="en-US"/>
           </a:p>
@@ -3437,28 +3437,28 @@
               <a:rPr lang="en-US" dirty="0" smtClean="0">
                 <a:effectLst/>
               </a:rPr>
-              <a:t>Outline of ideas: </a:t>
-            </a:r>
-            <a:r>
-              <a:rPr lang="en-US" dirty="0" err="1" smtClean="0">
-                <a:effectLst/>
-              </a:rPr>
-              <a:t>powerpoint</a:t>
-            </a:r>
+              <a:t>Three slides with outline of ideas</a:t>
+            </a:r>
+            <a:endParaRPr lang="en-US" dirty="0" smtClean="0">
+              <a:effectLst/>
+            </a:endParaRPr>
+          </a:p>
+          <a:p>
             <a:r>
               <a:rPr lang="en-US" dirty="0" smtClean="0">
                 <a:effectLst/>
               </a:rPr>
-              <a:t> 3 slides </a:t>
-            </a:r>
-          </a:p>
-          <a:p>
+              <a:t>Written web design critique of two studied web sites: </a:t>
+            </a:r>
             <a:r>
               <a:rPr lang="en-US" dirty="0" smtClean="0">
                 <a:effectLst/>
               </a:rPr>
-              <a:t>Written web design critique of two studied web sites: 1 page, typed, double-spaced </a:t>
-            </a:r>
+              <a:t>250 words or more</a:t>
+            </a:r>
+            <a:endParaRPr lang="en-US" dirty="0" smtClean="0">
+              <a:effectLst/>
+            </a:endParaRPr>
           </a:p>
           <a:p>
             <a:r>
@@ -3527,15 +3527,7 @@
           <a:p>
             <a:r>
               <a:rPr lang="en-US" dirty="0" smtClean="0"/>
-              <a:t>3 </a:t>
-            </a:r>
-            <a:r>
-              <a:rPr lang="en-US" dirty="0" err="1" smtClean="0"/>
-              <a:t>powerpoint</a:t>
-            </a:r>
-            <a:r>
-              <a:rPr lang="en-US" dirty="0" smtClean="0"/>
-              <a:t> slides</a:t>
+              <a:t>Three slides</a:t>
             </a:r>
             <a:endParaRPr lang="en-US" dirty="0"/>
           </a:p>
@@ -3750,7 +3742,19 @@
               <a:rPr lang="en-US" dirty="0" smtClean="0">
                 <a:effectLst/>
               </a:rPr>
-              <a:t>Lots of white space = simple design = easy to view, read and navigate </a:t>
+              <a:t>Lots of </a:t>
+            </a:r>
+            <a:r>
+              <a:rPr lang="en-US" dirty="0" smtClean="0">
+                <a:effectLst/>
+              </a:rPr>
+              <a:t>empty </a:t>
+            </a:r>
+            <a:r>
+              <a:rPr lang="en-US" dirty="0" smtClean="0">
+                <a:effectLst/>
+              </a:rPr>
+              <a:t>space = simple design = easy to view, read and navigate </a:t>
             </a:r>
           </a:p>
           <a:p>
@@ -3848,15 +3852,60 @@
         </p:nvSpPr>
         <p:spPr/>
         <p:txBody>
-          <a:bodyPr/>
+          <a:bodyPr>
+            <a:normAutofit/>
+          </a:bodyPr>
           <a:lstStyle/>
           <a:p>
             <a:r>
               <a:rPr lang="en-US" dirty="0" smtClean="0">
                 <a:effectLst/>
               </a:rPr>
-              <a:t>Use your original study of two web sites, an example each of good and bad design, to present your analysis of  web design. 1 page, typed, double-spaced, 12 point type. </a:t>
-            </a:r>
+              <a:t>Use your </a:t>
+            </a:r>
+            <a:r>
+              <a:rPr lang="en-US" dirty="0" smtClean="0">
+                <a:effectLst/>
+              </a:rPr>
+              <a:t>research on two </a:t>
+            </a:r>
+            <a:r>
+              <a:rPr lang="en-US" dirty="0" smtClean="0">
+                <a:effectLst/>
+              </a:rPr>
+              <a:t>web sites, an example each of good and bad </a:t>
+            </a:r>
+            <a:r>
+              <a:rPr lang="en-US" dirty="0" smtClean="0">
+                <a:effectLst/>
+              </a:rPr>
+              <a:t>design. </a:t>
+            </a:r>
+          </a:p>
+          <a:p>
+            <a:r>
+              <a:rPr lang="en-US" dirty="0" smtClean="0"/>
+              <a:t>Details about good aspects and bad aspects of the pages.</a:t>
+            </a:r>
+          </a:p>
+          <a:p>
+            <a:r>
+              <a:rPr lang="en-US" dirty="0" smtClean="0">
+                <a:effectLst/>
+              </a:rPr>
+              <a:t>Summary of general conclusions about what to do to make a website great, and what to avoid.</a:t>
+            </a:r>
+          </a:p>
+          <a:p>
+            <a:r>
+              <a:rPr lang="en-US" dirty="0" smtClean="0">
+                <a:effectLst/>
+              </a:rPr>
+              <a:t>250 words or more. </a:t>
+            </a:r>
+            <a:endParaRPr lang="en-US" dirty="0" smtClean="0">
+              <a:effectLst/>
+            </a:endParaRPr>
           </a:p>
           <a:p>
             <a:pPr marL="0" indent="0">
@@ -4050,28 +4099,63 @@
               <a:rPr lang="en-US" dirty="0" smtClean="0">
                 <a:effectLst/>
               </a:rPr>
-              <a:t>3 </a:t>
-            </a:r>
-            <a:r>
-              <a:rPr lang="en-US" dirty="0" err="1" smtClean="0">
-                <a:effectLst/>
-              </a:rPr>
-              <a:t>powerpoint</a:t>
-            </a:r>
+              <a:t>Three slides. </a:t>
+            </a:r>
+          </a:p>
+          <a:p>
             <a:r>
               <a:rPr lang="en-US" dirty="0" smtClean="0">
                 <a:effectLst/>
               </a:rPr>
-              <a:t> slides </a:t>
-            </a:r>
-          </a:p>
-          <a:p>
+              <a:t>Written </a:t>
+            </a:r>
             <a:r>
               <a:rPr lang="en-US" dirty="0" smtClean="0">
                 <a:effectLst/>
               </a:rPr>
-              <a:t>Written critique on web design</a:t>
-            </a:r>
+              <a:t>critique on web </a:t>
+            </a:r>
+            <a:r>
+              <a:rPr lang="en-US" dirty="0" smtClean="0">
+                <a:effectLst/>
+              </a:rPr>
+              <a:t>design.</a:t>
+            </a:r>
+          </a:p>
+          <a:p>
+            <a:r>
+              <a:rPr lang="en-US" dirty="0"/>
+              <a:t>(download as </a:t>
+            </a:r>
+            <a:r>
+              <a:rPr lang="en-US" dirty="0" smtClean="0"/>
+              <a:t>.</a:t>
+            </a:r>
+            <a:r>
+              <a:rPr lang="en-US" dirty="0" err="1" smtClean="0"/>
+              <a:t>pptx</a:t>
+            </a:r>
+            <a:r>
+              <a:rPr lang="en-US" dirty="0" smtClean="0"/>
+              <a:t> or .</a:t>
+            </a:r>
+            <a:r>
+              <a:rPr lang="en-US" dirty="0" err="1" smtClean="0"/>
+              <a:t>docx</a:t>
+            </a:r>
+            <a:r>
+              <a:rPr lang="en-US" dirty="0" smtClean="0"/>
+              <a:t> </a:t>
+            </a:r>
+            <a:r>
+              <a:rPr lang="en-US" dirty="0"/>
+              <a:t>and move to your “other” folder)</a:t>
+            </a:r>
+          </a:p>
+          <a:p>
+            <a:endParaRPr lang="en-US" dirty="0" smtClean="0">
+              <a:effectLst/>
+            </a:endParaRPr>
           </a:p>
           <a:p>
             <a:endParaRPr lang="en-US" dirty="0"/>
@@ -4137,8 +4221,8 @@
               <a:t>How to hyperlink in </a:t>
             </a:r>
             <a:r>
-              <a:rPr lang="en-US" dirty="0" err="1" smtClean="0"/>
-              <a:t>powerpoint</a:t>
+              <a:rPr lang="en-US" dirty="0" smtClean="0"/>
+              <a:t>Google Slides</a:t>
             </a:r>
             <a:endParaRPr lang="en-US" dirty="0"/>
           </a:p>
@@ -4188,6 +4272,15 @@
               </a:rPr>
               <a:t>Select hyperlink </a:t>
             </a:r>
+            <a:r>
+              <a:rPr lang="en-US" dirty="0" smtClean="0">
+                <a:effectLst/>
+              </a:rPr>
+              <a:t>icon.</a:t>
+            </a:r>
+            <a:endParaRPr lang="en-US" dirty="0" smtClean="0">
+              <a:effectLst/>
+            </a:endParaRPr>
           </a:p>
           <a:p>
             <a:r>
